--- a/Customer Complaints Analytics.pptx
+++ b/Customer Complaints Analytics.pptx
@@ -271,7 +271,7 @@
           <a:p>
             <a:fld id="{EED1C14C-A143-42F5-B247-D0E800131009}" type="datetimeFigureOut">
               <a:rPr lang="en-US" smtClean="0"/>
-              <a:t>12/11/2024</a:t>
+              <a:t>12/18/2024</a:t>
             </a:fld>
             <a:endParaRPr lang="en-US"/>
           </a:p>
@@ -469,7 +469,7 @@
           <a:p>
             <a:fld id="{EED1C14C-A143-42F5-B247-D0E800131009}" type="datetimeFigureOut">
               <a:rPr lang="en-US" smtClean="0"/>
-              <a:t>12/11/2024</a:t>
+              <a:t>12/18/2024</a:t>
             </a:fld>
             <a:endParaRPr lang="en-US"/>
           </a:p>
@@ -677,7 +677,7 @@
           <a:p>
             <a:fld id="{EED1C14C-A143-42F5-B247-D0E800131009}" type="datetimeFigureOut">
               <a:rPr lang="en-US" smtClean="0"/>
-              <a:t>12/11/2024</a:t>
+              <a:t>12/18/2024</a:t>
             </a:fld>
             <a:endParaRPr lang="en-US"/>
           </a:p>
@@ -875,7 +875,7 @@
           <a:p>
             <a:fld id="{EED1C14C-A143-42F5-B247-D0E800131009}" type="datetimeFigureOut">
               <a:rPr lang="en-US" smtClean="0"/>
-              <a:t>12/11/2024</a:t>
+              <a:t>12/18/2024</a:t>
             </a:fld>
             <a:endParaRPr lang="en-US"/>
           </a:p>
@@ -1150,7 +1150,7 @@
           <a:p>
             <a:fld id="{EED1C14C-A143-42F5-B247-D0E800131009}" type="datetimeFigureOut">
               <a:rPr lang="en-US" smtClean="0"/>
-              <a:t>12/11/2024</a:t>
+              <a:t>12/18/2024</a:t>
             </a:fld>
             <a:endParaRPr lang="en-US"/>
           </a:p>
@@ -1415,7 +1415,7 @@
           <a:p>
             <a:fld id="{EED1C14C-A143-42F5-B247-D0E800131009}" type="datetimeFigureOut">
               <a:rPr lang="en-US" smtClean="0"/>
-              <a:t>12/11/2024</a:t>
+              <a:t>12/18/2024</a:t>
             </a:fld>
             <a:endParaRPr lang="en-US"/>
           </a:p>
@@ -1827,7 +1827,7 @@
           <a:p>
             <a:fld id="{EED1C14C-A143-42F5-B247-D0E800131009}" type="datetimeFigureOut">
               <a:rPr lang="en-US" smtClean="0"/>
-              <a:t>12/11/2024</a:t>
+              <a:t>12/18/2024</a:t>
             </a:fld>
             <a:endParaRPr lang="en-US"/>
           </a:p>
@@ -1968,7 +1968,7 @@
           <a:p>
             <a:fld id="{EED1C14C-A143-42F5-B247-D0E800131009}" type="datetimeFigureOut">
               <a:rPr lang="en-US" smtClean="0"/>
-              <a:t>12/11/2024</a:t>
+              <a:t>12/18/2024</a:t>
             </a:fld>
             <a:endParaRPr lang="en-US"/>
           </a:p>
@@ -2081,7 +2081,7 @@
           <a:p>
             <a:fld id="{EED1C14C-A143-42F5-B247-D0E800131009}" type="datetimeFigureOut">
               <a:rPr lang="en-US" smtClean="0"/>
-              <a:t>12/11/2024</a:t>
+              <a:t>12/18/2024</a:t>
             </a:fld>
             <a:endParaRPr lang="en-US"/>
           </a:p>
@@ -2392,7 +2392,7 @@
           <a:p>
             <a:fld id="{EED1C14C-A143-42F5-B247-D0E800131009}" type="datetimeFigureOut">
               <a:rPr lang="en-US" smtClean="0"/>
-              <a:t>12/11/2024</a:t>
+              <a:t>12/18/2024</a:t>
             </a:fld>
             <a:endParaRPr lang="en-US"/>
           </a:p>
@@ -2680,7 +2680,7 @@
           <a:p>
             <a:fld id="{EED1C14C-A143-42F5-B247-D0E800131009}" type="datetimeFigureOut">
               <a:rPr lang="en-US" smtClean="0"/>
-              <a:t>12/11/2024</a:t>
+              <a:t>12/18/2024</a:t>
             </a:fld>
             <a:endParaRPr lang="en-US"/>
           </a:p>
@@ -2921,7 +2921,7 @@
           <a:p>
             <a:fld id="{EED1C14C-A143-42F5-B247-D0E800131009}" type="datetimeFigureOut">
               <a:rPr lang="en-US" smtClean="0"/>
-              <a:t>12/11/2024</a:t>
+              <a:t>12/18/2024</a:t>
             </a:fld>
             <a:endParaRPr lang="en-US"/>
           </a:p>
@@ -3729,10 +3729,10 @@
       </p:grpSpPr>
       <p:pic>
         <p:nvPicPr>
-          <p:cNvPr id="3" name="slide8" descr="Dashboard">
-            <a:extLst>
-              <a:ext uri="{FF2B5EF4-FFF2-40B4-BE49-F238E27FC236}">
-                <a16:creationId xmlns:a16="http://schemas.microsoft.com/office/drawing/2014/main" id="{550C9C2D-6E68-1F5C-3494-D789143BF533}"/>
+          <p:cNvPr id="2" name="slide2" descr="Dashboard">
+            <a:extLst>
+              <a:ext uri="{FF2B5EF4-FFF2-40B4-BE49-F238E27FC236}">
+                <a16:creationId xmlns:a16="http://schemas.microsoft.com/office/drawing/2014/main" id="{8FC79D36-15B7-9C9F-D237-901497EFF5B0}"/>
               </a:ext>
             </a:extLst>
           </p:cNvPr>
